--- a/C++ Tamagotchi.pptx
+++ b/C++ Tamagotchi.pptx
@@ -10,6 +10,11 @@
     <p:sldId id="260" r:id="rId4"/>
     <p:sldId id="259" r:id="rId5"/>
     <p:sldId id="261" r:id="rId6"/>
+    <p:sldId id="262" r:id="rId7"/>
+    <p:sldId id="263" r:id="rId8"/>
+    <p:sldId id="264" r:id="rId9"/>
+    <p:sldId id="265" r:id="rId10"/>
+    <p:sldId id="266" r:id="rId11"/>
   </p:sldIdLst>
   <p:sldSz cx="12192000" cy="6858000"/>
   <p:notesSz cx="6858000" cy="9144000"/>
@@ -108,6 +113,11 @@
       </a:defRPr>
     </a:lvl9pPr>
   </p:defaultTextStyle>
+  <p:extLst>
+    <p:ext uri="{EFAFB233-063F-42B5-8137-9DF3F51BA10A}">
+      <p15:sldGuideLst xmlns:p15="http://schemas.microsoft.com/office/powerpoint/2012/main"/>
+    </p:ext>
+  </p:extLst>
 </p:presentation>
 </file>
 
@@ -274,7 +284,7 @@
           <a:p>
             <a:fld id="{C74429DD-134F-496E-90D9-1BB59AC7D79C}" type="datetimeFigureOut">
               <a:rPr lang="en-US" smtClean="0"/>
-              <a:t>11/12/2021</a:t>
+              <a:t>11/15/2021</a:t>
             </a:fld>
             <a:endParaRPr lang="en-US"/>
           </a:p>
@@ -444,7 +454,7 @@
           <a:p>
             <a:fld id="{C74429DD-134F-496E-90D9-1BB59AC7D79C}" type="datetimeFigureOut">
               <a:rPr lang="en-US" smtClean="0"/>
-              <a:t>11/12/2021</a:t>
+              <a:t>11/15/2021</a:t>
             </a:fld>
             <a:endParaRPr lang="en-US"/>
           </a:p>
@@ -624,7 +634,7 @@
           <a:p>
             <a:fld id="{C74429DD-134F-496E-90D9-1BB59AC7D79C}" type="datetimeFigureOut">
               <a:rPr lang="en-US" smtClean="0"/>
-              <a:t>11/12/2021</a:t>
+              <a:t>11/15/2021</a:t>
             </a:fld>
             <a:endParaRPr lang="en-US"/>
           </a:p>
@@ -794,7 +804,7 @@
           <a:p>
             <a:fld id="{C74429DD-134F-496E-90D9-1BB59AC7D79C}" type="datetimeFigureOut">
               <a:rPr lang="en-US" smtClean="0"/>
-              <a:t>11/12/2021</a:t>
+              <a:t>11/15/2021</a:t>
             </a:fld>
             <a:endParaRPr lang="en-US"/>
           </a:p>
@@ -1062,7 +1072,7 @@
           <a:p>
             <a:fld id="{C74429DD-134F-496E-90D9-1BB59AC7D79C}" type="datetimeFigureOut">
               <a:rPr lang="en-US" smtClean="0"/>
-              <a:t>11/12/2021</a:t>
+              <a:t>11/15/2021</a:t>
             </a:fld>
             <a:endParaRPr lang="en-US"/>
           </a:p>
@@ -1294,7 +1304,7 @@
           <a:p>
             <a:fld id="{C74429DD-134F-496E-90D9-1BB59AC7D79C}" type="datetimeFigureOut">
               <a:rPr lang="en-US" smtClean="0"/>
-              <a:t>11/12/2021</a:t>
+              <a:t>11/15/2021</a:t>
             </a:fld>
             <a:endParaRPr lang="en-US"/>
           </a:p>
@@ -1653,7 +1663,7 @@
           <a:p>
             <a:fld id="{C74429DD-134F-496E-90D9-1BB59AC7D79C}" type="datetimeFigureOut">
               <a:rPr lang="en-US" smtClean="0"/>
-              <a:t>11/12/2021</a:t>
+              <a:t>11/15/2021</a:t>
             </a:fld>
             <a:endParaRPr lang="en-US"/>
           </a:p>
@@ -1794,7 +1804,7 @@
           <a:p>
             <a:fld id="{C74429DD-134F-496E-90D9-1BB59AC7D79C}" type="datetimeFigureOut">
               <a:rPr lang="en-US" smtClean="0"/>
-              <a:t>11/12/2021</a:t>
+              <a:t>11/15/2021</a:t>
             </a:fld>
             <a:endParaRPr lang="en-US"/>
           </a:p>
@@ -1889,7 +1899,7 @@
           <a:p>
             <a:fld id="{C74429DD-134F-496E-90D9-1BB59AC7D79C}" type="datetimeFigureOut">
               <a:rPr lang="en-US" smtClean="0"/>
-              <a:t>11/12/2021</a:t>
+              <a:t>11/15/2021</a:t>
             </a:fld>
             <a:endParaRPr lang="en-US"/>
           </a:p>
@@ -2246,7 +2256,7 @@
           <a:p>
             <a:fld id="{C74429DD-134F-496E-90D9-1BB59AC7D79C}" type="datetimeFigureOut">
               <a:rPr lang="en-US" smtClean="0"/>
-              <a:t>11/12/2021</a:t>
+              <a:t>11/15/2021</a:t>
             </a:fld>
             <a:endParaRPr lang="en-US"/>
           </a:p>
@@ -2603,7 +2613,7 @@
           <a:p>
             <a:fld id="{C74429DD-134F-496E-90D9-1BB59AC7D79C}" type="datetimeFigureOut">
               <a:rPr lang="en-US" smtClean="0"/>
-              <a:t>11/12/2021</a:t>
+              <a:t>11/15/2021</a:t>
             </a:fld>
             <a:endParaRPr lang="en-US"/>
           </a:p>
@@ -2845,7 +2855,7 @@
           <a:p>
             <a:fld id="{C74429DD-134F-496E-90D9-1BB59AC7D79C}" type="datetimeFigureOut">
               <a:rPr lang="en-US" smtClean="0"/>
-              <a:t>11/12/2021</a:t>
+              <a:t>11/15/2021</a:t>
             </a:fld>
             <a:endParaRPr lang="en-US"/>
           </a:p>
@@ -3780,6 +3790,69 @@
 </p:sld>
 </file>
 
+<file path=ppt/slides/slide10.xml><?xml version="1.0" encoding="utf-8"?>
+<p:sld xmlns:a="http://schemas.openxmlformats.org/drawingml/2006/main" xmlns:r="http://schemas.openxmlformats.org/officeDocument/2006/relationships" xmlns:p="http://schemas.openxmlformats.org/presentationml/2006/main">
+  <p:cSld>
+    <p:spTree>
+      <p:nvGrpSpPr>
+        <p:cNvPr id="1" name=""/>
+        <p:cNvGrpSpPr/>
+        <p:nvPr/>
+      </p:nvGrpSpPr>
+      <p:grpSpPr>
+        <a:xfrm>
+          <a:off x="0" y="0"/>
+          <a:ext cx="0" cy="0"/>
+          <a:chOff x="0" y="0"/>
+          <a:chExt cx="0" cy="0"/>
+        </a:xfrm>
+      </p:grpSpPr>
+      <p:sp>
+        <p:nvSpPr>
+          <p:cNvPr id="2" name="Title 1">
+            <a:extLst>
+              <a:ext uri="{FF2B5EF4-FFF2-40B4-BE49-F238E27FC236}">
+                <a16:creationId xmlns:a16="http://schemas.microsoft.com/office/drawing/2014/main" id="{984724B1-359C-4081-874B-2469E37C1BF3}"/>
+              </a:ext>
+            </a:extLst>
+          </p:cNvPr>
+          <p:cNvSpPr>
+            <a:spLocks noGrp="1"/>
+          </p:cNvSpPr>
+          <p:nvPr>
+            <p:ph type="title"/>
+          </p:nvPr>
+        </p:nvSpPr>
+        <p:spPr>
+          <a:xfrm>
+            <a:off x="2231136" y="2870901"/>
+            <a:ext cx="7729728" cy="1188720"/>
+          </a:xfrm>
+        </p:spPr>
+        <p:txBody>
+          <a:bodyPr/>
+          <a:lstStyle/>
+          <a:p>
+            <a:r>
+              <a:rPr lang="en-US" dirty="0"/>
+              <a:t>Questions?</a:t>
+            </a:r>
+          </a:p>
+        </p:txBody>
+      </p:sp>
+    </p:spTree>
+    <p:extLst>
+      <p:ext uri="{BB962C8B-B14F-4D97-AF65-F5344CB8AC3E}">
+        <p14:creationId xmlns:p14="http://schemas.microsoft.com/office/powerpoint/2010/main" val="1531630112"/>
+      </p:ext>
+    </p:extLst>
+  </p:cSld>
+  <p:clrMapOvr>
+    <a:masterClrMapping/>
+  </p:clrMapOvr>
+</p:sld>
+</file>
+
 <file path=ppt/slides/slide2.xml><?xml version="1.0" encoding="utf-8"?>
 <p:sld xmlns:a="http://schemas.openxmlformats.org/drawingml/2006/main" xmlns:r="http://schemas.openxmlformats.org/officeDocument/2006/relationships" xmlns:p="http://schemas.openxmlformats.org/presentationml/2006/main">
   <p:cSld>
@@ -4538,6 +4611,560 @@
     <p:extLst>
       <p:ext uri="{BB962C8B-B14F-4D97-AF65-F5344CB8AC3E}">
         <p14:creationId xmlns:p14="http://schemas.microsoft.com/office/powerpoint/2010/main" val="3450575418"/>
+      </p:ext>
+    </p:extLst>
+  </p:cSld>
+  <p:clrMapOvr>
+    <a:masterClrMapping/>
+  </p:clrMapOvr>
+</p:sld>
+</file>
+
+<file path=ppt/slides/slide6.xml><?xml version="1.0" encoding="utf-8"?>
+<p:sld xmlns:a="http://schemas.openxmlformats.org/drawingml/2006/main" xmlns:r="http://schemas.openxmlformats.org/officeDocument/2006/relationships" xmlns:p="http://schemas.openxmlformats.org/presentationml/2006/main">
+  <p:cSld>
+    <p:spTree>
+      <p:nvGrpSpPr>
+        <p:cNvPr id="1" name=""/>
+        <p:cNvGrpSpPr/>
+        <p:nvPr/>
+      </p:nvGrpSpPr>
+      <p:grpSpPr>
+        <a:xfrm>
+          <a:off x="0" y="0"/>
+          <a:ext cx="0" cy="0"/>
+          <a:chOff x="0" y="0"/>
+          <a:chExt cx="0" cy="0"/>
+        </a:xfrm>
+      </p:grpSpPr>
+      <p:sp>
+        <p:nvSpPr>
+          <p:cNvPr id="2" name="Title 1">
+            <a:extLst>
+              <a:ext uri="{FF2B5EF4-FFF2-40B4-BE49-F238E27FC236}">
+                <a16:creationId xmlns:a16="http://schemas.microsoft.com/office/drawing/2014/main" id="{90286872-C57B-4CC3-8AC2-210EC1991C8E}"/>
+              </a:ext>
+            </a:extLst>
+          </p:cNvPr>
+          <p:cNvSpPr>
+            <a:spLocks noGrp="1"/>
+          </p:cNvSpPr>
+          <p:nvPr>
+            <p:ph type="title"/>
+          </p:nvPr>
+        </p:nvSpPr>
+        <p:spPr/>
+        <p:txBody>
+          <a:bodyPr/>
+          <a:lstStyle/>
+          <a:p>
+            <a:r>
+              <a:rPr lang="en-US" dirty="0"/>
+              <a:t>Main.cpp</a:t>
+            </a:r>
+          </a:p>
+        </p:txBody>
+      </p:sp>
+      <p:sp>
+        <p:nvSpPr>
+          <p:cNvPr id="3" name="Content Placeholder 2">
+            <a:extLst>
+              <a:ext uri="{FF2B5EF4-FFF2-40B4-BE49-F238E27FC236}">
+                <a16:creationId xmlns:a16="http://schemas.microsoft.com/office/drawing/2014/main" id="{2FF0C7D2-00C9-4441-91E0-3AC818979DCC}"/>
+              </a:ext>
+            </a:extLst>
+          </p:cNvPr>
+          <p:cNvSpPr>
+            <a:spLocks noGrp="1"/>
+          </p:cNvSpPr>
+          <p:nvPr>
+            <p:ph idx="1"/>
+          </p:nvPr>
+        </p:nvSpPr>
+        <p:spPr>
+          <a:xfrm>
+            <a:off x="2231136" y="2638044"/>
+            <a:ext cx="3864864" cy="3101983"/>
+          </a:xfrm>
+        </p:spPr>
+        <p:txBody>
+          <a:bodyPr/>
+          <a:lstStyle/>
+          <a:p>
+            <a:r>
+              <a:rPr lang="en-US" dirty="0"/>
+              <a:t>Choose pet type</a:t>
+            </a:r>
+          </a:p>
+          <a:p>
+            <a:r>
+              <a:rPr lang="en-US" dirty="0"/>
+              <a:t>Choose name</a:t>
+            </a:r>
+          </a:p>
+          <a:p>
+            <a:r>
+              <a:rPr lang="en-US" dirty="0"/>
+              <a:t>Choose to feed or interact</a:t>
+            </a:r>
+          </a:p>
+          <a:p>
+            <a:r>
+              <a:rPr lang="en-US" dirty="0"/>
+              <a:t>Once done with pet, you get a pet journal</a:t>
+            </a:r>
+          </a:p>
+          <a:p>
+            <a:r>
+              <a:rPr lang="en-US" dirty="0"/>
+              <a:t>Then can choose another pet if you want</a:t>
+            </a:r>
+          </a:p>
+        </p:txBody>
+      </p:sp>
+      <p:pic>
+        <p:nvPicPr>
+          <p:cNvPr id="5" name="Picture 4">
+            <a:extLst>
+              <a:ext uri="{FF2B5EF4-FFF2-40B4-BE49-F238E27FC236}">
+                <a16:creationId xmlns:a16="http://schemas.microsoft.com/office/drawing/2014/main" id="{13EF82DE-5DFA-4E73-B04D-63683F0FEAC0}"/>
+              </a:ext>
+            </a:extLst>
+          </p:cNvPr>
+          <p:cNvPicPr>
+            <a:picLocks noChangeAspect="1"/>
+          </p:cNvPicPr>
+          <p:nvPr/>
+        </p:nvPicPr>
+        <p:blipFill>
+          <a:blip r:embed="rId2"/>
+          <a:stretch>
+            <a:fillRect/>
+          </a:stretch>
+        </p:blipFill>
+        <p:spPr>
+          <a:xfrm>
+            <a:off x="6096001" y="2638044"/>
+            <a:ext cx="3870092" cy="2287137"/>
+          </a:xfrm>
+          <a:prstGeom prst="rect">
+            <a:avLst/>
+          </a:prstGeom>
+        </p:spPr>
+      </p:pic>
+    </p:spTree>
+    <p:extLst>
+      <p:ext uri="{BB962C8B-B14F-4D97-AF65-F5344CB8AC3E}">
+        <p14:creationId xmlns:p14="http://schemas.microsoft.com/office/powerpoint/2010/main" val="3527454722"/>
+      </p:ext>
+    </p:extLst>
+  </p:cSld>
+  <p:clrMapOvr>
+    <a:masterClrMapping/>
+  </p:clrMapOvr>
+</p:sld>
+</file>
+
+<file path=ppt/slides/slide7.xml><?xml version="1.0" encoding="utf-8"?>
+<p:sld xmlns:a="http://schemas.openxmlformats.org/drawingml/2006/main" xmlns:r="http://schemas.openxmlformats.org/officeDocument/2006/relationships" xmlns:p="http://schemas.openxmlformats.org/presentationml/2006/main">
+  <p:cSld>
+    <p:spTree>
+      <p:nvGrpSpPr>
+        <p:cNvPr id="1" name=""/>
+        <p:cNvGrpSpPr/>
+        <p:nvPr/>
+      </p:nvGrpSpPr>
+      <p:grpSpPr>
+        <a:xfrm>
+          <a:off x="0" y="0"/>
+          <a:ext cx="0" cy="0"/>
+          <a:chOff x="0" y="0"/>
+          <a:chExt cx="0" cy="0"/>
+        </a:xfrm>
+      </p:grpSpPr>
+      <p:sp>
+        <p:nvSpPr>
+          <p:cNvPr id="2" name="Title 1">
+            <a:extLst>
+              <a:ext uri="{FF2B5EF4-FFF2-40B4-BE49-F238E27FC236}">
+                <a16:creationId xmlns:a16="http://schemas.microsoft.com/office/drawing/2014/main" id="{4699890A-49FB-46E2-987B-14AFE98A393D}"/>
+              </a:ext>
+            </a:extLst>
+          </p:cNvPr>
+          <p:cNvSpPr>
+            <a:spLocks noGrp="1"/>
+          </p:cNvSpPr>
+          <p:nvPr>
+            <p:ph type="title"/>
+          </p:nvPr>
+        </p:nvSpPr>
+        <p:spPr/>
+        <p:txBody>
+          <a:bodyPr/>
+          <a:lstStyle/>
+          <a:p>
+            <a:r>
+              <a:rPr lang="en-US" dirty="0"/>
+              <a:t>Print text art</a:t>
+            </a:r>
+          </a:p>
+        </p:txBody>
+      </p:sp>
+      <p:sp>
+        <p:nvSpPr>
+          <p:cNvPr id="3" name="Content Placeholder 2">
+            <a:extLst>
+              <a:ext uri="{FF2B5EF4-FFF2-40B4-BE49-F238E27FC236}">
+                <a16:creationId xmlns:a16="http://schemas.microsoft.com/office/drawing/2014/main" id="{368B214C-3E99-4750-A6D7-60B4976F2DE5}"/>
+              </a:ext>
+            </a:extLst>
+          </p:cNvPr>
+          <p:cNvSpPr>
+            <a:spLocks noGrp="1"/>
+          </p:cNvSpPr>
+          <p:nvPr>
+            <p:ph idx="1"/>
+          </p:nvPr>
+        </p:nvSpPr>
+        <p:spPr>
+          <a:xfrm>
+            <a:off x="2231136" y="2638044"/>
+            <a:ext cx="3864864" cy="3101983"/>
+          </a:xfrm>
+        </p:spPr>
+        <p:txBody>
+          <a:bodyPr/>
+          <a:lstStyle/>
+          <a:p>
+            <a:r>
+              <a:rPr lang="en-US" dirty="0"/>
+              <a:t>Separate file that contains all variation of art used</a:t>
+            </a:r>
+          </a:p>
+          <a:p>
+            <a:r>
+              <a:rPr lang="en-US" dirty="0"/>
+              <a:t>Each piece is labeled with a string </a:t>
+            </a:r>
+          </a:p>
+          <a:p>
+            <a:r>
+              <a:rPr lang="en-US" dirty="0"/>
+              <a:t>A function called “</a:t>
+            </a:r>
+            <a:r>
+              <a:rPr lang="en-US" dirty="0" err="1"/>
+              <a:t>retrieveArt</a:t>
+            </a:r>
+            <a:r>
+              <a:rPr lang="en-US" dirty="0"/>
+              <a:t>” looks for the corresponding string to the </a:t>
+            </a:r>
+            <a:r>
+              <a:rPr lang="en-US" dirty="0" err="1"/>
+              <a:t>the</a:t>
+            </a:r>
+            <a:r>
+              <a:rPr lang="en-US" dirty="0"/>
+              <a:t> user’s action choice</a:t>
+            </a:r>
+          </a:p>
+        </p:txBody>
+      </p:sp>
+      <p:pic>
+        <p:nvPicPr>
+          <p:cNvPr id="5" name="Picture 4">
+            <a:extLst>
+              <a:ext uri="{FF2B5EF4-FFF2-40B4-BE49-F238E27FC236}">
+                <a16:creationId xmlns:a16="http://schemas.microsoft.com/office/drawing/2014/main" id="{A8180356-1F4F-4DA7-93DA-6FFDAFB55BBC}"/>
+              </a:ext>
+            </a:extLst>
+          </p:cNvPr>
+          <p:cNvPicPr>
+            <a:picLocks noChangeAspect="1"/>
+          </p:cNvPicPr>
+          <p:nvPr/>
+        </p:nvPicPr>
+        <p:blipFill>
+          <a:blip r:embed="rId2"/>
+          <a:stretch>
+            <a:fillRect/>
+          </a:stretch>
+        </p:blipFill>
+        <p:spPr>
+          <a:xfrm>
+            <a:off x="7170472" y="2638044"/>
+            <a:ext cx="2790392" cy="3183466"/>
+          </a:xfrm>
+          <a:prstGeom prst="rect">
+            <a:avLst/>
+          </a:prstGeom>
+        </p:spPr>
+      </p:pic>
+    </p:spTree>
+    <p:extLst>
+      <p:ext uri="{BB962C8B-B14F-4D97-AF65-F5344CB8AC3E}">
+        <p14:creationId xmlns:p14="http://schemas.microsoft.com/office/powerpoint/2010/main" val="1359708426"/>
+      </p:ext>
+    </p:extLst>
+  </p:cSld>
+  <p:clrMapOvr>
+    <a:masterClrMapping/>
+  </p:clrMapOvr>
+</p:sld>
+</file>
+
+<file path=ppt/slides/slide8.xml><?xml version="1.0" encoding="utf-8"?>
+<p:sld xmlns:a="http://schemas.openxmlformats.org/drawingml/2006/main" xmlns:r="http://schemas.openxmlformats.org/officeDocument/2006/relationships" xmlns:p="http://schemas.openxmlformats.org/presentationml/2006/main">
+  <p:cSld>
+    <p:spTree>
+      <p:nvGrpSpPr>
+        <p:cNvPr id="1" name=""/>
+        <p:cNvGrpSpPr/>
+        <p:nvPr/>
+      </p:nvGrpSpPr>
+      <p:grpSpPr>
+        <a:xfrm>
+          <a:off x="0" y="0"/>
+          <a:ext cx="0" cy="0"/>
+          <a:chOff x="0" y="0"/>
+          <a:chExt cx="0" cy="0"/>
+        </a:xfrm>
+      </p:grpSpPr>
+      <p:sp>
+        <p:nvSpPr>
+          <p:cNvPr id="2" name="Title 1">
+            <a:extLst>
+              <a:ext uri="{FF2B5EF4-FFF2-40B4-BE49-F238E27FC236}">
+                <a16:creationId xmlns:a16="http://schemas.microsoft.com/office/drawing/2014/main" id="{02420205-A4AE-4EC1-A486-CE6C14B92576}"/>
+              </a:ext>
+            </a:extLst>
+          </p:cNvPr>
+          <p:cNvSpPr>
+            <a:spLocks noGrp="1"/>
+          </p:cNvSpPr>
+          <p:nvPr>
+            <p:ph type="title"/>
+          </p:nvPr>
+        </p:nvSpPr>
+        <p:spPr/>
+        <p:txBody>
+          <a:bodyPr/>
+          <a:lstStyle/>
+          <a:p>
+            <a:r>
+              <a:rPr lang="en-US" dirty="0"/>
+              <a:t>Pet journal</a:t>
+            </a:r>
+          </a:p>
+        </p:txBody>
+      </p:sp>
+      <p:sp>
+        <p:nvSpPr>
+          <p:cNvPr id="3" name="Content Placeholder 2">
+            <a:extLst>
+              <a:ext uri="{FF2B5EF4-FFF2-40B4-BE49-F238E27FC236}">
+                <a16:creationId xmlns:a16="http://schemas.microsoft.com/office/drawing/2014/main" id="{04F61301-7A2C-4477-8B38-6E10CBAADF56}"/>
+              </a:ext>
+            </a:extLst>
+          </p:cNvPr>
+          <p:cNvSpPr>
+            <a:spLocks noGrp="1"/>
+          </p:cNvSpPr>
+          <p:nvPr>
+            <p:ph idx="1"/>
+          </p:nvPr>
+        </p:nvSpPr>
+        <p:spPr>
+          <a:xfrm>
+            <a:off x="2231136" y="2638044"/>
+            <a:ext cx="3864864" cy="3101983"/>
+          </a:xfrm>
+        </p:spPr>
+        <p:txBody>
+          <a:bodyPr/>
+          <a:lstStyle/>
+          <a:p>
+            <a:r>
+              <a:rPr lang="en-US" dirty="0"/>
+              <a:t>To remember your journey, each pet that get creates gets a pet journal</a:t>
+            </a:r>
+          </a:p>
+          <a:p>
+            <a:r>
+              <a:rPr lang="en-US" dirty="0"/>
+              <a:t>Journal contains record of all actions, as well as how they affected mood and hunger</a:t>
+            </a:r>
+          </a:p>
+        </p:txBody>
+      </p:sp>
+      <p:pic>
+        <p:nvPicPr>
+          <p:cNvPr id="5" name="Picture 4">
+            <a:extLst>
+              <a:ext uri="{FF2B5EF4-FFF2-40B4-BE49-F238E27FC236}">
+                <a16:creationId xmlns:a16="http://schemas.microsoft.com/office/drawing/2014/main" id="{376B9A03-9E15-41E0-A029-95C34FD13E59}"/>
+              </a:ext>
+            </a:extLst>
+          </p:cNvPr>
+          <p:cNvPicPr>
+            <a:picLocks noChangeAspect="1"/>
+          </p:cNvPicPr>
+          <p:nvPr/>
+        </p:nvPicPr>
+        <p:blipFill>
+          <a:blip r:embed="rId2"/>
+          <a:stretch>
+            <a:fillRect/>
+          </a:stretch>
+        </p:blipFill>
+        <p:spPr>
+          <a:xfrm>
+            <a:off x="7760305" y="2638044"/>
+            <a:ext cx="2200559" cy="3621663"/>
+          </a:xfrm>
+          <a:prstGeom prst="rect">
+            <a:avLst/>
+          </a:prstGeom>
+        </p:spPr>
+      </p:pic>
+    </p:spTree>
+    <p:extLst>
+      <p:ext uri="{BB962C8B-B14F-4D97-AF65-F5344CB8AC3E}">
+        <p14:creationId xmlns:p14="http://schemas.microsoft.com/office/powerpoint/2010/main" val="2297359267"/>
+      </p:ext>
+    </p:extLst>
+  </p:cSld>
+  <p:clrMapOvr>
+    <a:masterClrMapping/>
+  </p:clrMapOvr>
+</p:sld>
+</file>
+
+<file path=ppt/slides/slide9.xml><?xml version="1.0" encoding="utf-8"?>
+<p:sld xmlns:a="http://schemas.openxmlformats.org/drawingml/2006/main" xmlns:r="http://schemas.openxmlformats.org/officeDocument/2006/relationships" xmlns:p="http://schemas.openxmlformats.org/presentationml/2006/main">
+  <p:cSld>
+    <p:spTree>
+      <p:nvGrpSpPr>
+        <p:cNvPr id="1" name=""/>
+        <p:cNvGrpSpPr/>
+        <p:nvPr/>
+      </p:nvGrpSpPr>
+      <p:grpSpPr>
+        <a:xfrm>
+          <a:off x="0" y="0"/>
+          <a:ext cx="0" cy="0"/>
+          <a:chOff x="0" y="0"/>
+          <a:chExt cx="0" cy="0"/>
+        </a:xfrm>
+      </p:grpSpPr>
+      <p:sp>
+        <p:nvSpPr>
+          <p:cNvPr id="2" name="Title 1">
+            <a:extLst>
+              <a:ext uri="{FF2B5EF4-FFF2-40B4-BE49-F238E27FC236}">
+                <a16:creationId xmlns:a16="http://schemas.microsoft.com/office/drawing/2014/main" id="{085589B0-946A-409D-B588-D029F0D3C16C}"/>
+              </a:ext>
+            </a:extLst>
+          </p:cNvPr>
+          <p:cNvSpPr>
+            <a:spLocks noGrp="1"/>
+          </p:cNvSpPr>
+          <p:nvPr>
+            <p:ph type="title"/>
+          </p:nvPr>
+        </p:nvSpPr>
+        <p:spPr/>
+        <p:txBody>
+          <a:bodyPr/>
+          <a:lstStyle/>
+          <a:p>
+            <a:r>
+              <a:rPr lang="en-US" dirty="0"/>
+              <a:t>Pet Stats</a:t>
+            </a:r>
+          </a:p>
+        </p:txBody>
+      </p:sp>
+      <p:sp>
+        <p:nvSpPr>
+          <p:cNvPr id="3" name="Content Placeholder 2">
+            <a:extLst>
+              <a:ext uri="{FF2B5EF4-FFF2-40B4-BE49-F238E27FC236}">
+                <a16:creationId xmlns:a16="http://schemas.microsoft.com/office/drawing/2014/main" id="{E9FD4237-B4C6-415C-9290-55E674A158AF}"/>
+              </a:ext>
+            </a:extLst>
+          </p:cNvPr>
+          <p:cNvSpPr>
+            <a:spLocks noGrp="1"/>
+          </p:cNvSpPr>
+          <p:nvPr>
+            <p:ph idx="1"/>
+          </p:nvPr>
+        </p:nvSpPr>
+        <p:spPr>
+          <a:xfrm>
+            <a:off x="2231136" y="2638044"/>
+            <a:ext cx="3864864" cy="3101983"/>
+          </a:xfrm>
+        </p:spPr>
+        <p:txBody>
+          <a:bodyPr/>
+          <a:lstStyle/>
+          <a:p>
+            <a:r>
+              <a:rPr lang="en-US" dirty="0"/>
+              <a:t>Each pet has a mood and hunger</a:t>
+            </a:r>
+          </a:p>
+          <a:p>
+            <a:r>
+              <a:rPr lang="en-US" dirty="0"/>
+              <a:t>Affected by the feeding options and interaction options.</a:t>
+            </a:r>
+          </a:p>
+          <a:p>
+            <a:r>
+              <a:rPr lang="en-US" dirty="0"/>
+              <a:t>The number associated with mood, then gets translated to being excited, happy, sad,… </a:t>
+            </a:r>
+          </a:p>
+        </p:txBody>
+      </p:sp>
+      <p:pic>
+        <p:nvPicPr>
+          <p:cNvPr id="5" name="Picture 4">
+            <a:extLst>
+              <a:ext uri="{FF2B5EF4-FFF2-40B4-BE49-F238E27FC236}">
+                <a16:creationId xmlns:a16="http://schemas.microsoft.com/office/drawing/2014/main" id="{71C96964-5874-412A-A8B8-75602C7A0262}"/>
+              </a:ext>
+            </a:extLst>
+          </p:cNvPr>
+          <p:cNvPicPr>
+            <a:picLocks noChangeAspect="1"/>
+          </p:cNvPicPr>
+          <p:nvPr/>
+        </p:nvPicPr>
+        <p:blipFill>
+          <a:blip r:embed="rId2"/>
+          <a:stretch>
+            <a:fillRect/>
+          </a:stretch>
+        </p:blipFill>
+        <p:spPr>
+          <a:xfrm>
+            <a:off x="6329217" y="2638044"/>
+            <a:ext cx="3631647" cy="2965752"/>
+          </a:xfrm>
+          <a:prstGeom prst="rect">
+            <a:avLst/>
+          </a:prstGeom>
+        </p:spPr>
+      </p:pic>
+    </p:spTree>
+    <p:extLst>
+      <p:ext uri="{BB962C8B-B14F-4D97-AF65-F5344CB8AC3E}">
+        <p14:creationId xmlns:p14="http://schemas.microsoft.com/office/powerpoint/2010/main" val="3739567563"/>
       </p:ext>
     </p:extLst>
   </p:cSld>

--- a/C++ Tamagotchi.pptx
+++ b/C++ Tamagotchi.pptx
@@ -4660,7 +4660,7 @@
           <a:p>
             <a:r>
               <a:rPr lang="en-US" dirty="0"/>
-              <a:t>Main.cpp</a:t>
+              <a:t>Main idea</a:t>
             </a:r>
           </a:p>
         </p:txBody>
